--- a/Présentation projet.pptx
+++ b/Présentation projet.pptx
@@ -18,6 +18,7 @@
     <p:sldId id="266" r:id="rId12"/>
     <p:sldId id="259" r:id="rId13"/>
     <p:sldId id="263" r:id="rId14"/>
+    <p:sldId id="267" r:id="rId15"/>
   </p:sldIdLst>
   <p:sldSz cx="12192000" cy="6858000"/>
   <p:notesSz cx="6799263" cy="9929813"/>
@@ -4103,7 +4104,7 @@
               <a:pPr>
                 <a:defRPr/>
               </a:pPr>
-              <a:t>02/11/2021</a:t>
+              <a:t>03/11/2021</a:t>
             </a:fld>
             <a:endParaRPr lang="fr-FR"/>
           </a:p>
@@ -5133,7 +5134,7 @@
               <a:pPr>
                 <a:defRPr/>
               </a:pPr>
-              <a:t>02/11/2021</a:t>
+              <a:t>03/11/2021</a:t>
             </a:fld>
             <a:endParaRPr lang="fr-FR"/>
           </a:p>
@@ -6310,7 +6311,7 @@
               <a:pPr>
                 <a:defRPr/>
               </a:pPr>
-              <a:t>02/11/2021</a:t>
+              <a:t>03/11/2021</a:t>
             </a:fld>
             <a:endParaRPr lang="fr-FR"/>
           </a:p>
@@ -7477,7 +7478,7 @@
               <a:pPr>
                 <a:defRPr/>
               </a:pPr>
-              <a:t>02/11/2021</a:t>
+              <a:t>03/11/2021</a:t>
             </a:fld>
             <a:endParaRPr lang="fr-FR"/>
           </a:p>
@@ -8644,7 +8645,7 @@
               <a:pPr>
                 <a:defRPr/>
               </a:pPr>
-              <a:t>02/11/2021</a:t>
+              <a:t>03/11/2021</a:t>
             </a:fld>
             <a:endParaRPr lang="fr-FR"/>
           </a:p>
@@ -9811,7 +9812,7 @@
               <a:pPr>
                 <a:defRPr/>
               </a:pPr>
-              <a:t>02/11/2021</a:t>
+              <a:t>03/11/2021</a:t>
             </a:fld>
             <a:endParaRPr lang="fr-FR"/>
           </a:p>
@@ -10978,7 +10979,7 @@
               <a:pPr>
                 <a:defRPr/>
               </a:pPr>
-              <a:t>02/11/2021</a:t>
+              <a:t>03/11/2021</a:t>
             </a:fld>
             <a:endParaRPr lang="fr-FR"/>
           </a:p>
@@ -11934,7 +11935,10 @@
           <a:bodyPr/>
           <a:lstStyle/>
           <a:p>
-            <a:endParaRPr lang="fr-FR" dirty="0"/>
+            <a:r>
+              <a:rPr lang="fr-FR" dirty="0"/>
+              <a:t>Projet jeu de carte en ligne</a:t>
+            </a:r>
           </a:p>
         </p:txBody>
       </p:sp>
@@ -11948,12 +11952,20 @@
             <p:ph type="subTitle" idx="1"/>
           </p:nvPr>
         </p:nvSpPr>
-        <p:spPr/>
+        <p:spPr>
+          <a:xfrm>
+            <a:off x="5976730" y="6312322"/>
+            <a:ext cx="9144000" cy="389965"/>
+          </a:xfrm>
+        </p:spPr>
         <p:txBody>
           <a:bodyPr/>
           <a:lstStyle/>
           <a:p>
-            <a:endParaRPr lang="fr-FR"/>
+            <a:r>
+              <a:rPr lang="fr-FR" sz="1400" dirty="0"/>
+              <a:t>PESME, GARETTE, BERNABE</a:t>
+            </a:r>
           </a:p>
         </p:txBody>
       </p:sp>
@@ -13585,33 +13597,15 @@
                                   </p:childTnLst>
                                 </p:cTn>
                               </p:par>
-                            </p:childTnLst>
-                          </p:cTn>
-                        </p:par>
-                      </p:childTnLst>
-                    </p:cTn>
-                  </p:par>
-                  <p:par>
-                    <p:cTn id="27" fill="hold">
-                      <p:stCondLst>
-                        <p:cond delay="indefinite"/>
-                      </p:stCondLst>
-                      <p:childTnLst>
-                        <p:par>
-                          <p:cTn id="28" fill="hold">
-                            <p:stCondLst>
-                              <p:cond delay="0"/>
-                            </p:stCondLst>
-                            <p:childTnLst>
                               <p:par>
-                                <p:cTn id="29" presetID="10" presetClass="entr" presetSubtype="0" fill="hold" grpId="0" nodeType="clickEffect">
+                                <p:cTn id="27" presetID="10" presetClass="entr" presetSubtype="0" fill="hold" grpId="0" nodeType="withEffect">
                                   <p:stCondLst>
                                     <p:cond delay="0"/>
                                   </p:stCondLst>
                                   <p:childTnLst>
                                     <p:set>
                                       <p:cBhvr>
-                                        <p:cTn id="30" dur="1" fill="hold">
+                                        <p:cTn id="28" dur="1" fill="hold">
                                           <p:stCondLst>
                                             <p:cond delay="0"/>
                                           </p:stCondLst>
@@ -13629,7 +13623,7 @@
                                     </p:set>
                                     <p:animEffect transition="in" filter="fade">
                                       <p:cBhvr>
-                                        <p:cTn id="31" dur="500"/>
+                                        <p:cTn id="29" dur="500"/>
                                         <p:tgtEl>
                                           <p:spTgt spid="13"/>
                                         </p:tgtEl>
@@ -13645,26 +13639,26 @@
                     </p:cTn>
                   </p:par>
                   <p:par>
-                    <p:cTn id="32" fill="hold">
+                    <p:cTn id="30" fill="hold">
                       <p:stCondLst>
                         <p:cond delay="indefinite"/>
                       </p:stCondLst>
                       <p:childTnLst>
                         <p:par>
-                          <p:cTn id="33" fill="hold">
+                          <p:cTn id="31" fill="hold">
                             <p:stCondLst>
                               <p:cond delay="0"/>
                             </p:stCondLst>
                             <p:childTnLst>
                               <p:par>
-                                <p:cTn id="34" presetID="10" presetClass="exit" presetSubtype="0" fill="hold" grpId="1" nodeType="clickEffect">
+                                <p:cTn id="32" presetID="10" presetClass="exit" presetSubtype="0" fill="hold" grpId="1" nodeType="clickEffect">
                                   <p:stCondLst>
                                     <p:cond delay="0"/>
                                   </p:stCondLst>
                                   <p:childTnLst>
                                     <p:animEffect transition="out" filter="fade">
                                       <p:cBhvr>
-                                        <p:cTn id="35" dur="500"/>
+                                        <p:cTn id="33" dur="500"/>
                                         <p:tgtEl>
                                           <p:spTgt spid="13"/>
                                         </p:tgtEl>
@@ -13672,7 +13666,7 @@
                                     </p:animEffect>
                                     <p:set>
                                       <p:cBhvr>
-                                        <p:cTn id="36" dur="1" fill="hold">
+                                        <p:cTn id="34" dur="1" fill="hold">
                                           <p:stCondLst>
                                             <p:cond delay="499"/>
                                           </p:stCondLst>
@@ -13691,33 +13685,15 @@
                                   </p:childTnLst>
                                 </p:cTn>
                               </p:par>
-                            </p:childTnLst>
-                          </p:cTn>
-                        </p:par>
-                      </p:childTnLst>
-                    </p:cTn>
-                  </p:par>
-                  <p:par>
-                    <p:cTn id="37" fill="hold">
-                      <p:stCondLst>
-                        <p:cond delay="indefinite"/>
-                      </p:stCondLst>
-                      <p:childTnLst>
-                        <p:par>
-                          <p:cTn id="38" fill="hold">
-                            <p:stCondLst>
-                              <p:cond delay="0"/>
-                            </p:stCondLst>
-                            <p:childTnLst>
                               <p:par>
-                                <p:cTn id="39" presetID="10" presetClass="entr" presetSubtype="0" fill="hold" grpId="0" nodeType="clickEffect">
+                                <p:cTn id="35" presetID="10" presetClass="entr" presetSubtype="0" fill="hold" grpId="0" nodeType="withEffect">
                                   <p:stCondLst>
                                     <p:cond delay="0"/>
                                   </p:stCondLst>
                                   <p:childTnLst>
                                     <p:set>
                                       <p:cBhvr>
-                                        <p:cTn id="40" dur="1" fill="hold">
+                                        <p:cTn id="36" dur="1" fill="hold">
                                           <p:stCondLst>
                                             <p:cond delay="0"/>
                                           </p:stCondLst>
@@ -13735,7 +13711,7 @@
                                     </p:set>
                                     <p:animEffect transition="in" filter="fade">
                                       <p:cBhvr>
-                                        <p:cTn id="41" dur="500"/>
+                                        <p:cTn id="37" dur="500"/>
                                         <p:tgtEl>
                                           <p:spTgt spid="14"/>
                                         </p:tgtEl>
@@ -13751,36 +13727,28 @@
                     </p:cTn>
                   </p:par>
                   <p:par>
-                    <p:cTn id="42" fill="hold">
+                    <p:cTn id="38" fill="hold">
                       <p:stCondLst>
                         <p:cond delay="indefinite"/>
                       </p:stCondLst>
                       <p:childTnLst>
                         <p:par>
-                          <p:cTn id="43" fill="hold">
+                          <p:cTn id="39" fill="hold">
                             <p:stCondLst>
                               <p:cond delay="0"/>
                             </p:stCondLst>
                             <p:childTnLst>
                               <p:par>
-                                <p:cTn id="44" presetID="10" presetClass="exit" presetSubtype="0" fill="hold" grpId="1" nodeType="clickEffect">
+                                <p:cTn id="40" presetID="1" presetClass="exit" presetSubtype="0" fill="hold" grpId="1" nodeType="clickEffect">
                                   <p:stCondLst>
                                     <p:cond delay="0"/>
                                   </p:stCondLst>
                                   <p:childTnLst>
-                                    <p:animEffect transition="out" filter="fade">
-                                      <p:cBhvr>
-                                        <p:cTn id="45" dur="500"/>
-                                        <p:tgtEl>
-                                          <p:spTgt spid="14"/>
-                                        </p:tgtEl>
-                                      </p:cBhvr>
-                                    </p:animEffect>
                                     <p:set>
                                       <p:cBhvr>
-                                        <p:cTn id="46" dur="1" fill="hold">
+                                        <p:cTn id="41" dur="1" fill="hold">
                                           <p:stCondLst>
-                                            <p:cond delay="499"/>
+                                            <p:cond delay="0"/>
                                           </p:stCondLst>
                                         </p:cTn>
                                         <p:tgtEl>
@@ -13797,33 +13765,15 @@
                                   </p:childTnLst>
                                 </p:cTn>
                               </p:par>
-                            </p:childTnLst>
-                          </p:cTn>
-                        </p:par>
-                      </p:childTnLst>
-                    </p:cTn>
-                  </p:par>
-                  <p:par>
-                    <p:cTn id="47" fill="hold">
-                      <p:stCondLst>
-                        <p:cond delay="indefinite"/>
-                      </p:stCondLst>
-                      <p:childTnLst>
-                        <p:par>
-                          <p:cTn id="48" fill="hold">
-                            <p:stCondLst>
-                              <p:cond delay="0"/>
-                            </p:stCondLst>
-                            <p:childTnLst>
                               <p:par>
-                                <p:cTn id="49" presetID="1" presetClass="exit" presetSubtype="0" fill="hold" grpId="1" nodeType="clickEffect">
+                                <p:cTn id="42" presetID="1" presetClass="exit" presetSubtype="0" fill="hold" grpId="1" nodeType="withEffect">
                                   <p:stCondLst>
                                     <p:cond delay="0"/>
                                   </p:stCondLst>
                                   <p:childTnLst>
                                     <p:set>
                                       <p:cBhvr>
-                                        <p:cTn id="50" dur="1" fill="hold">
+                                        <p:cTn id="43" dur="1" fill="hold">
                                           <p:stCondLst>
                                             <p:cond delay="0"/>
                                           </p:stCondLst>
@@ -13843,14 +13793,14 @@
                                 </p:cTn>
                               </p:par>
                               <p:par>
-                                <p:cTn id="51" presetID="1" presetClass="exit" presetSubtype="0" fill="hold" grpId="1" nodeType="withEffect">
+                                <p:cTn id="44" presetID="1" presetClass="exit" presetSubtype="0" fill="hold" grpId="1" nodeType="withEffect">
                                   <p:stCondLst>
                                     <p:cond delay="0"/>
                                   </p:stCondLst>
                                   <p:childTnLst>
                                     <p:set>
                                       <p:cBhvr>
-                                        <p:cTn id="52" dur="1" fill="hold">
+                                        <p:cTn id="45" dur="1" fill="hold">
                                           <p:stCondLst>
                                             <p:cond delay="0"/>
                                           </p:stCondLst>
@@ -13870,14 +13820,14 @@
                                 </p:cTn>
                               </p:par>
                               <p:par>
-                                <p:cTn id="53" presetID="1" presetClass="exit" presetSubtype="0" fill="hold" grpId="1" nodeType="withEffect">
+                                <p:cTn id="46" presetID="1" presetClass="exit" presetSubtype="0" fill="hold" grpId="1" nodeType="withEffect">
                                   <p:stCondLst>
                                     <p:cond delay="0"/>
                                   </p:stCondLst>
                                   <p:childTnLst>
                                     <p:set>
                                       <p:cBhvr>
-                                        <p:cTn id="54" dur="1" fill="hold">
+                                        <p:cTn id="47" dur="1" fill="hold">
                                           <p:stCondLst>
                                             <p:cond delay="0"/>
                                           </p:stCondLst>
@@ -13903,26 +13853,26 @@
                     </p:cTn>
                   </p:par>
                   <p:par>
-                    <p:cTn id="55" fill="hold">
+                    <p:cTn id="48" fill="hold">
                       <p:stCondLst>
                         <p:cond delay="indefinite"/>
                       </p:stCondLst>
                       <p:childTnLst>
                         <p:par>
-                          <p:cTn id="56" fill="hold">
+                          <p:cTn id="49" fill="hold">
                             <p:stCondLst>
                               <p:cond delay="0"/>
                             </p:stCondLst>
                             <p:childTnLst>
                               <p:par>
-                                <p:cTn id="57" presetID="2" presetClass="entr" presetSubtype="4" fill="hold" grpId="0" nodeType="clickEffect">
+                                <p:cTn id="50" presetID="2" presetClass="entr" presetSubtype="4" fill="hold" grpId="0" nodeType="clickEffect">
                                   <p:stCondLst>
                                     <p:cond delay="0"/>
                                   </p:stCondLst>
                                   <p:childTnLst>
                                     <p:set>
                                       <p:cBhvr>
-                                        <p:cTn id="58" dur="1" fill="hold">
+                                        <p:cTn id="51" dur="1" fill="hold">
                                           <p:stCondLst>
                                             <p:cond delay="0"/>
                                           </p:stCondLst>
@@ -13940,7 +13890,7 @@
                                     </p:set>
                                     <p:anim calcmode="lin" valueType="num">
                                       <p:cBhvr additive="base">
-                                        <p:cTn id="59" dur="500" fill="hold"/>
+                                        <p:cTn id="52" dur="500" fill="hold"/>
                                         <p:tgtEl>
                                           <p:spTgt spid="15"/>
                                         </p:tgtEl>
@@ -13963,7 +13913,7 @@
                                     </p:anim>
                                     <p:anim calcmode="lin" valueType="num">
                                       <p:cBhvr additive="base">
-                                        <p:cTn id="60" dur="500" fill="hold"/>
+                                        <p:cTn id="53" dur="500" fill="hold"/>
                                         <p:tgtEl>
                                           <p:spTgt spid="15"/>
                                         </p:tgtEl>
@@ -13988,14 +13938,14 @@
                                 </p:cTn>
                               </p:par>
                               <p:par>
-                                <p:cTn id="61" presetID="2" presetClass="entr" presetSubtype="4" fill="hold" grpId="0" nodeType="withEffect">
+                                <p:cTn id="54" presetID="2" presetClass="entr" presetSubtype="4" fill="hold" grpId="0" nodeType="withEffect">
                                   <p:stCondLst>
                                     <p:cond delay="0"/>
                                   </p:stCondLst>
                                   <p:childTnLst>
                                     <p:set>
                                       <p:cBhvr>
-                                        <p:cTn id="62" dur="1" fill="hold">
+                                        <p:cTn id="55" dur="1" fill="hold">
                                           <p:stCondLst>
                                             <p:cond delay="0"/>
                                           </p:stCondLst>
@@ -14013,7 +13963,7 @@
                                     </p:set>
                                     <p:anim calcmode="lin" valueType="num">
                                       <p:cBhvr additive="base">
-                                        <p:cTn id="63" dur="500" fill="hold"/>
+                                        <p:cTn id="56" dur="500" fill="hold"/>
                                         <p:tgtEl>
                                           <p:spTgt spid="16"/>
                                         </p:tgtEl>
@@ -14036,7 +13986,7 @@
                                     </p:anim>
                                     <p:anim calcmode="lin" valueType="num">
                                       <p:cBhvr additive="base">
-                                        <p:cTn id="64" dur="500" fill="hold"/>
+                                        <p:cTn id="57" dur="500" fill="hold"/>
                                         <p:tgtEl>
                                           <p:spTgt spid="16"/>
                                         </p:tgtEl>
@@ -14061,14 +14011,14 @@
                                 </p:cTn>
                               </p:par>
                               <p:par>
-                                <p:cTn id="65" presetID="2" presetClass="entr" presetSubtype="4" fill="hold" grpId="0" nodeType="withEffect">
+                                <p:cTn id="58" presetID="2" presetClass="entr" presetSubtype="4" fill="hold" grpId="0" nodeType="withEffect">
                                   <p:stCondLst>
                                     <p:cond delay="0"/>
                                   </p:stCondLst>
                                   <p:childTnLst>
                                     <p:set>
                                       <p:cBhvr>
-                                        <p:cTn id="66" dur="1" fill="hold">
+                                        <p:cTn id="59" dur="1" fill="hold">
                                           <p:stCondLst>
                                             <p:cond delay="0"/>
                                           </p:stCondLst>
@@ -14086,7 +14036,7 @@
                                     </p:set>
                                     <p:anim calcmode="lin" valueType="num">
                                       <p:cBhvr additive="base">
-                                        <p:cTn id="67" dur="500" fill="hold"/>
+                                        <p:cTn id="60" dur="500" fill="hold"/>
                                         <p:tgtEl>
                                           <p:spTgt spid="17"/>
                                         </p:tgtEl>
@@ -14109,7 +14059,7 @@
                                     </p:anim>
                                     <p:anim calcmode="lin" valueType="num">
                                       <p:cBhvr additive="base">
-                                        <p:cTn id="68" dur="500" fill="hold"/>
+                                        <p:cTn id="61" dur="500" fill="hold"/>
                                         <p:tgtEl>
                                           <p:spTgt spid="17"/>
                                         </p:tgtEl>
@@ -14134,14 +14084,14 @@
                                 </p:cTn>
                               </p:par>
                               <p:par>
-                                <p:cTn id="69" presetID="2" presetClass="entr" presetSubtype="4" fill="hold" grpId="0" nodeType="withEffect">
+                                <p:cTn id="62" presetID="2" presetClass="entr" presetSubtype="4" fill="hold" grpId="0" nodeType="withEffect">
                                   <p:stCondLst>
                                     <p:cond delay="0"/>
                                   </p:stCondLst>
                                   <p:childTnLst>
                                     <p:set>
                                       <p:cBhvr>
-                                        <p:cTn id="70" dur="1" fill="hold">
+                                        <p:cTn id="63" dur="1" fill="hold">
                                           <p:stCondLst>
                                             <p:cond delay="0"/>
                                           </p:stCondLst>
@@ -14159,7 +14109,7 @@
                                     </p:set>
                                     <p:anim calcmode="lin" valueType="num">
                                       <p:cBhvr additive="base">
-                                        <p:cTn id="71" dur="500" fill="hold"/>
+                                        <p:cTn id="64" dur="500" fill="hold"/>
                                         <p:tgtEl>
                                           <p:spTgt spid="18"/>
                                         </p:tgtEl>
@@ -14182,7 +14132,7 @@
                                     </p:anim>
                                     <p:anim calcmode="lin" valueType="num">
                                       <p:cBhvr additive="base">
-                                        <p:cTn id="72" dur="500" fill="hold"/>
+                                        <p:cTn id="65" dur="500" fill="hold"/>
                                         <p:tgtEl>
                                           <p:spTgt spid="18"/>
                                         </p:tgtEl>
@@ -14213,26 +14163,26 @@
                     </p:cTn>
                   </p:par>
                   <p:par>
-                    <p:cTn id="73" fill="hold">
+                    <p:cTn id="66" fill="hold">
                       <p:stCondLst>
                         <p:cond delay="indefinite"/>
                       </p:stCondLst>
                       <p:childTnLst>
                         <p:par>
-                          <p:cTn id="74" fill="hold">
+                          <p:cTn id="67" fill="hold">
                             <p:stCondLst>
                               <p:cond delay="0"/>
                             </p:stCondLst>
                             <p:childTnLst>
                               <p:par>
-                                <p:cTn id="75" presetID="10" presetClass="entr" presetSubtype="0" fill="hold" grpId="0" nodeType="clickEffect">
+                                <p:cTn id="68" presetID="10" presetClass="entr" presetSubtype="0" fill="hold" grpId="0" nodeType="clickEffect">
                                   <p:stCondLst>
                                     <p:cond delay="0"/>
                                   </p:stCondLst>
                                   <p:childTnLst>
                                     <p:set>
                                       <p:cBhvr>
-                                        <p:cTn id="76" dur="1" fill="hold">
+                                        <p:cTn id="69" dur="1" fill="hold">
                                           <p:stCondLst>
                                             <p:cond delay="0"/>
                                           </p:stCondLst>
@@ -14250,7 +14200,7 @@
                                     </p:set>
                                     <p:animEffect transition="in" filter="fade">
                                       <p:cBhvr>
-                                        <p:cTn id="77" dur="500"/>
+                                        <p:cTn id="70" dur="500"/>
                                         <p:tgtEl>
                                           <p:spTgt spid="19"/>
                                         </p:tgtEl>
@@ -14266,26 +14216,26 @@
                     </p:cTn>
                   </p:par>
                   <p:par>
-                    <p:cTn id="78" fill="hold">
+                    <p:cTn id="71" fill="hold">
                       <p:stCondLst>
                         <p:cond delay="indefinite"/>
                       </p:stCondLst>
                       <p:childTnLst>
                         <p:par>
-                          <p:cTn id="79" fill="hold">
+                          <p:cTn id="72" fill="hold">
                             <p:stCondLst>
                               <p:cond delay="0"/>
                             </p:stCondLst>
                             <p:childTnLst>
                               <p:par>
-                                <p:cTn id="80" presetID="10" presetClass="exit" presetSubtype="0" fill="hold" grpId="1" nodeType="clickEffect">
+                                <p:cTn id="73" presetID="10" presetClass="exit" presetSubtype="0" fill="hold" grpId="1" nodeType="clickEffect">
                                   <p:stCondLst>
                                     <p:cond delay="0"/>
                                   </p:stCondLst>
                                   <p:childTnLst>
                                     <p:animEffect transition="out" filter="fade">
                                       <p:cBhvr>
-                                        <p:cTn id="81" dur="500"/>
+                                        <p:cTn id="74" dur="500"/>
                                         <p:tgtEl>
                                           <p:spTgt spid="19"/>
                                         </p:tgtEl>
@@ -14293,7 +14243,7 @@
                                     </p:animEffect>
                                     <p:set>
                                       <p:cBhvr>
-                                        <p:cTn id="82" dur="1" fill="hold">
+                                        <p:cTn id="75" dur="1" fill="hold">
                                           <p:stCondLst>
                                             <p:cond delay="499"/>
                                           </p:stCondLst>
@@ -14312,33 +14262,15 @@
                                   </p:childTnLst>
                                 </p:cTn>
                               </p:par>
-                            </p:childTnLst>
-                          </p:cTn>
-                        </p:par>
-                      </p:childTnLst>
-                    </p:cTn>
-                  </p:par>
-                  <p:par>
-                    <p:cTn id="83" fill="hold">
-                      <p:stCondLst>
-                        <p:cond delay="indefinite"/>
-                      </p:stCondLst>
-                      <p:childTnLst>
-                        <p:par>
-                          <p:cTn id="84" fill="hold">
-                            <p:stCondLst>
-                              <p:cond delay="0"/>
-                            </p:stCondLst>
-                            <p:childTnLst>
                               <p:par>
-                                <p:cTn id="85" presetID="10" presetClass="entr" presetSubtype="0" fill="hold" grpId="0" nodeType="clickEffect">
+                                <p:cTn id="76" presetID="10" presetClass="entr" presetSubtype="0" fill="hold" grpId="0" nodeType="withEffect">
                                   <p:stCondLst>
                                     <p:cond delay="0"/>
                                   </p:stCondLst>
                                   <p:childTnLst>
                                     <p:set>
                                       <p:cBhvr>
-                                        <p:cTn id="86" dur="1" fill="hold">
+                                        <p:cTn id="77" dur="1" fill="hold">
                                           <p:stCondLst>
                                             <p:cond delay="0"/>
                                           </p:stCondLst>
@@ -14356,7 +14288,7 @@
                                     </p:set>
                                     <p:animEffect transition="in" filter="fade">
                                       <p:cBhvr>
-                                        <p:cTn id="87" dur="500"/>
+                                        <p:cTn id="78" dur="500"/>
                                         <p:tgtEl>
                                           <p:spTgt spid="20"/>
                                         </p:tgtEl>
@@ -14372,26 +14304,26 @@
                     </p:cTn>
                   </p:par>
                   <p:par>
-                    <p:cTn id="88" fill="hold">
+                    <p:cTn id="79" fill="hold">
                       <p:stCondLst>
                         <p:cond delay="indefinite"/>
                       </p:stCondLst>
                       <p:childTnLst>
                         <p:par>
-                          <p:cTn id="89" fill="hold">
+                          <p:cTn id="80" fill="hold">
                             <p:stCondLst>
                               <p:cond delay="0"/>
                             </p:stCondLst>
                             <p:childTnLst>
                               <p:par>
-                                <p:cTn id="90" presetID="10" presetClass="exit" presetSubtype="0" fill="hold" grpId="1" nodeType="clickEffect">
+                                <p:cTn id="81" presetID="10" presetClass="exit" presetSubtype="0" fill="hold" grpId="1" nodeType="clickEffect">
                                   <p:stCondLst>
                                     <p:cond delay="0"/>
                                   </p:stCondLst>
                                   <p:childTnLst>
                                     <p:animEffect transition="out" filter="fade">
                                       <p:cBhvr>
-                                        <p:cTn id="91" dur="500"/>
+                                        <p:cTn id="82" dur="500"/>
                                         <p:tgtEl>
                                           <p:spTgt spid="20"/>
                                         </p:tgtEl>
@@ -14399,7 +14331,7 @@
                                     </p:animEffect>
                                     <p:set>
                                       <p:cBhvr>
-                                        <p:cTn id="92" dur="1" fill="hold">
+                                        <p:cTn id="83" dur="1" fill="hold">
                                           <p:stCondLst>
                                             <p:cond delay="499"/>
                                           </p:stCondLst>
@@ -14418,33 +14350,15 @@
                                   </p:childTnLst>
                                 </p:cTn>
                               </p:par>
-                            </p:childTnLst>
-                          </p:cTn>
-                        </p:par>
-                      </p:childTnLst>
-                    </p:cTn>
-                  </p:par>
-                  <p:par>
-                    <p:cTn id="93" fill="hold">
-                      <p:stCondLst>
-                        <p:cond delay="indefinite"/>
-                      </p:stCondLst>
-                      <p:childTnLst>
-                        <p:par>
-                          <p:cTn id="94" fill="hold">
-                            <p:stCondLst>
-                              <p:cond delay="0"/>
-                            </p:stCondLst>
-                            <p:childTnLst>
                               <p:par>
-                                <p:cTn id="95" presetID="10" presetClass="entr" presetSubtype="0" fill="hold" grpId="0" nodeType="clickEffect">
+                                <p:cTn id="84" presetID="10" presetClass="entr" presetSubtype="0" fill="hold" grpId="0" nodeType="withEffect">
                                   <p:stCondLst>
                                     <p:cond delay="0"/>
                                   </p:stCondLst>
                                   <p:childTnLst>
                                     <p:set>
                                       <p:cBhvr>
-                                        <p:cTn id="96" dur="1" fill="hold">
+                                        <p:cTn id="85" dur="1" fill="hold">
                                           <p:stCondLst>
                                             <p:cond delay="0"/>
                                           </p:stCondLst>
@@ -14462,7 +14376,7 @@
                                     </p:set>
                                     <p:animEffect transition="in" filter="fade">
                                       <p:cBhvr>
-                                        <p:cTn id="97" dur="500"/>
+                                        <p:cTn id="86" dur="500"/>
                                         <p:tgtEl>
                                           <p:spTgt spid="21"/>
                                         </p:tgtEl>
@@ -14478,26 +14392,26 @@
                     </p:cTn>
                   </p:par>
                   <p:par>
-                    <p:cTn id="98" fill="hold">
+                    <p:cTn id="87" fill="hold">
                       <p:stCondLst>
                         <p:cond delay="indefinite"/>
                       </p:stCondLst>
                       <p:childTnLst>
                         <p:par>
-                          <p:cTn id="99" fill="hold">
+                          <p:cTn id="88" fill="hold">
                             <p:stCondLst>
                               <p:cond delay="0"/>
                             </p:stCondLst>
                             <p:childTnLst>
                               <p:par>
-                                <p:cTn id="100" presetID="10" presetClass="exit" presetSubtype="0" fill="hold" grpId="1" nodeType="clickEffect">
+                                <p:cTn id="89" presetID="10" presetClass="exit" presetSubtype="0" fill="hold" grpId="1" nodeType="clickEffect">
                                   <p:stCondLst>
                                     <p:cond delay="0"/>
                                   </p:stCondLst>
                                   <p:childTnLst>
                                     <p:animEffect transition="out" filter="fade">
                                       <p:cBhvr>
-                                        <p:cTn id="101" dur="500"/>
+                                        <p:cTn id="90" dur="500"/>
                                         <p:tgtEl>
                                           <p:spTgt spid="21"/>
                                         </p:tgtEl>
@@ -14505,7 +14419,7 @@
                                     </p:animEffect>
                                     <p:set>
                                       <p:cBhvr>
-                                        <p:cTn id="102" dur="1" fill="hold">
+                                        <p:cTn id="91" dur="1" fill="hold">
                                           <p:stCondLst>
                                             <p:cond delay="499"/>
                                           </p:stCondLst>
@@ -14524,33 +14438,15 @@
                                   </p:childTnLst>
                                 </p:cTn>
                               </p:par>
-                            </p:childTnLst>
-                          </p:cTn>
-                        </p:par>
-                      </p:childTnLst>
-                    </p:cTn>
-                  </p:par>
-                  <p:par>
-                    <p:cTn id="103" fill="hold">
-                      <p:stCondLst>
-                        <p:cond delay="indefinite"/>
-                      </p:stCondLst>
-                      <p:childTnLst>
-                        <p:par>
-                          <p:cTn id="104" fill="hold">
-                            <p:stCondLst>
-                              <p:cond delay="0"/>
-                            </p:stCondLst>
-                            <p:childTnLst>
                               <p:par>
-                                <p:cTn id="105" presetID="10" presetClass="entr" presetSubtype="0" fill="hold" grpId="0" nodeType="clickEffect">
+                                <p:cTn id="92" presetID="10" presetClass="entr" presetSubtype="0" fill="hold" grpId="0" nodeType="withEffect">
                                   <p:stCondLst>
                                     <p:cond delay="0"/>
                                   </p:stCondLst>
                                   <p:childTnLst>
                                     <p:set>
                                       <p:cBhvr>
-                                        <p:cTn id="106" dur="1" fill="hold">
+                                        <p:cTn id="93" dur="1" fill="hold">
                                           <p:stCondLst>
                                             <p:cond delay="0"/>
                                           </p:stCondLst>
@@ -14568,7 +14464,7 @@
                                     </p:set>
                                     <p:animEffect transition="in" filter="fade">
                                       <p:cBhvr>
-                                        <p:cTn id="107" dur="500"/>
+                                        <p:cTn id="94" dur="500"/>
                                         <p:tgtEl>
                                           <p:spTgt spid="22"/>
                                         </p:tgtEl>
@@ -14584,36 +14480,28 @@
                     </p:cTn>
                   </p:par>
                   <p:par>
-                    <p:cTn id="108" fill="hold">
+                    <p:cTn id="95" fill="hold">
                       <p:stCondLst>
                         <p:cond delay="indefinite"/>
                       </p:stCondLst>
                       <p:childTnLst>
                         <p:par>
-                          <p:cTn id="109" fill="hold">
+                          <p:cTn id="96" fill="hold">
                             <p:stCondLst>
                               <p:cond delay="0"/>
                             </p:stCondLst>
                             <p:childTnLst>
                               <p:par>
-                                <p:cTn id="110" presetID="10" presetClass="exit" presetSubtype="0" fill="hold" grpId="1" nodeType="clickEffect">
+                                <p:cTn id="97" presetID="1" presetClass="exit" presetSubtype="0" fill="hold" grpId="1" nodeType="clickEffect">
                                   <p:stCondLst>
                                     <p:cond delay="0"/>
                                   </p:stCondLst>
                                   <p:childTnLst>
-                                    <p:animEffect transition="out" filter="fade">
-                                      <p:cBhvr>
-                                        <p:cTn id="111" dur="500"/>
-                                        <p:tgtEl>
-                                          <p:spTgt spid="22"/>
-                                        </p:tgtEl>
-                                      </p:cBhvr>
-                                    </p:animEffect>
                                     <p:set>
                                       <p:cBhvr>
-                                        <p:cTn id="112" dur="1" fill="hold">
+                                        <p:cTn id="98" dur="1" fill="hold">
                                           <p:stCondLst>
-                                            <p:cond delay="499"/>
+                                            <p:cond delay="0"/>
                                           </p:stCondLst>
                                         </p:cTn>
                                         <p:tgtEl>
@@ -14630,33 +14518,15 @@
                                   </p:childTnLst>
                                 </p:cTn>
                               </p:par>
-                            </p:childTnLst>
-                          </p:cTn>
-                        </p:par>
-                      </p:childTnLst>
-                    </p:cTn>
-                  </p:par>
-                  <p:par>
-                    <p:cTn id="113" fill="hold">
-                      <p:stCondLst>
-                        <p:cond delay="indefinite"/>
-                      </p:stCondLst>
-                      <p:childTnLst>
-                        <p:par>
-                          <p:cTn id="114" fill="hold">
-                            <p:stCondLst>
-                              <p:cond delay="0"/>
-                            </p:stCondLst>
-                            <p:childTnLst>
                               <p:par>
-                                <p:cTn id="115" presetID="1" presetClass="exit" presetSubtype="0" fill="hold" grpId="1" nodeType="clickEffect">
+                                <p:cTn id="99" presetID="1" presetClass="exit" presetSubtype="0" fill="hold" grpId="1" nodeType="withEffect">
                                   <p:stCondLst>
                                     <p:cond delay="0"/>
                                   </p:stCondLst>
                                   <p:childTnLst>
                                     <p:set>
                                       <p:cBhvr>
-                                        <p:cTn id="116" dur="1" fill="hold">
+                                        <p:cTn id="100" dur="1" fill="hold">
                                           <p:stCondLst>
                                             <p:cond delay="0"/>
                                           </p:stCondLst>
@@ -14676,14 +14546,14 @@
                                 </p:cTn>
                               </p:par>
                               <p:par>
-                                <p:cTn id="117" presetID="1" presetClass="exit" presetSubtype="0" fill="hold" grpId="1" nodeType="withEffect">
+                                <p:cTn id="101" presetID="1" presetClass="exit" presetSubtype="0" fill="hold" grpId="1" nodeType="withEffect">
                                   <p:stCondLst>
                                     <p:cond delay="0"/>
                                   </p:stCondLst>
                                   <p:childTnLst>
                                     <p:set>
                                       <p:cBhvr>
-                                        <p:cTn id="118" dur="1" fill="hold">
+                                        <p:cTn id="102" dur="1" fill="hold">
                                           <p:stCondLst>
                                             <p:cond delay="0"/>
                                           </p:stCondLst>
@@ -14703,14 +14573,14 @@
                                 </p:cTn>
                               </p:par>
                               <p:par>
-                                <p:cTn id="119" presetID="1" presetClass="exit" presetSubtype="0" fill="hold" grpId="1" nodeType="withEffect">
+                                <p:cTn id="103" presetID="1" presetClass="exit" presetSubtype="0" fill="hold" grpId="1" nodeType="withEffect">
                                   <p:stCondLst>
                                     <p:cond delay="0"/>
                                   </p:stCondLst>
                                   <p:childTnLst>
                                     <p:set>
                                       <p:cBhvr>
-                                        <p:cTn id="120" dur="1" fill="hold">
+                                        <p:cTn id="104" dur="1" fill="hold">
                                           <p:stCondLst>
                                             <p:cond delay="0"/>
                                           </p:stCondLst>
@@ -14730,14 +14600,14 @@
                                 </p:cTn>
                               </p:par>
                               <p:par>
-                                <p:cTn id="121" presetID="1" presetClass="exit" presetSubtype="0" fill="hold" grpId="1" nodeType="withEffect">
+                                <p:cTn id="105" presetID="1" presetClass="exit" presetSubtype="0" fill="hold" grpId="1" nodeType="withEffect">
                                   <p:stCondLst>
                                     <p:cond delay="0"/>
                                   </p:stCondLst>
                                   <p:childTnLst>
                                     <p:set>
                                       <p:cBhvr>
-                                        <p:cTn id="122" dur="1" fill="hold">
+                                        <p:cTn id="106" dur="1" fill="hold">
                                           <p:stCondLst>
                                             <p:cond delay="0"/>
                                           </p:stCondLst>
@@ -14763,26 +14633,26 @@
                     </p:cTn>
                   </p:par>
                   <p:par>
-                    <p:cTn id="123" fill="hold">
+                    <p:cTn id="107" fill="hold">
                       <p:stCondLst>
                         <p:cond delay="indefinite"/>
                       </p:stCondLst>
                       <p:childTnLst>
                         <p:par>
-                          <p:cTn id="124" fill="hold">
+                          <p:cTn id="108" fill="hold">
                             <p:stCondLst>
                               <p:cond delay="0"/>
                             </p:stCondLst>
                             <p:childTnLst>
                               <p:par>
-                                <p:cTn id="125" presetID="10" presetClass="entr" presetSubtype="0" fill="hold" grpId="0" nodeType="clickEffect">
+                                <p:cTn id="109" presetID="10" presetClass="entr" presetSubtype="0" fill="hold" grpId="0" nodeType="clickEffect">
                                   <p:stCondLst>
                                     <p:cond delay="0"/>
                                   </p:stCondLst>
                                   <p:childTnLst>
                                     <p:set>
                                       <p:cBhvr>
-                                        <p:cTn id="126" dur="1" fill="hold">
+                                        <p:cTn id="110" dur="1" fill="hold">
                                           <p:stCondLst>
                                             <p:cond delay="0"/>
                                           </p:stCondLst>
@@ -14800,7 +14670,7 @@
                                     </p:set>
                                     <p:animEffect transition="in" filter="fade">
                                       <p:cBhvr>
-                                        <p:cTn id="127" dur="500"/>
+                                        <p:cTn id="111" dur="500"/>
                                         <p:tgtEl>
                                           <p:spTgt spid="23"/>
                                         </p:tgtEl>
@@ -14816,26 +14686,26 @@
                     </p:cTn>
                   </p:par>
                   <p:par>
-                    <p:cTn id="128" fill="hold">
+                    <p:cTn id="112" fill="hold">
                       <p:stCondLst>
                         <p:cond delay="indefinite"/>
                       </p:stCondLst>
                       <p:childTnLst>
                         <p:par>
-                          <p:cTn id="129" fill="hold">
+                          <p:cTn id="113" fill="hold">
                             <p:stCondLst>
                               <p:cond delay="0"/>
                             </p:stCondLst>
                             <p:childTnLst>
                               <p:par>
-                                <p:cTn id="130" presetID="10" presetClass="exit" presetSubtype="0" fill="hold" grpId="1" nodeType="clickEffect">
+                                <p:cTn id="114" presetID="10" presetClass="exit" presetSubtype="0" fill="hold" grpId="1" nodeType="clickEffect">
                                   <p:stCondLst>
                                     <p:cond delay="0"/>
                                   </p:stCondLst>
                                   <p:childTnLst>
                                     <p:animEffect transition="out" filter="fade">
                                       <p:cBhvr>
-                                        <p:cTn id="131" dur="500"/>
+                                        <p:cTn id="115" dur="500"/>
                                         <p:tgtEl>
                                           <p:spTgt spid="23"/>
                                         </p:tgtEl>
@@ -14843,7 +14713,7 @@
                                     </p:animEffect>
                                     <p:set>
                                       <p:cBhvr>
-                                        <p:cTn id="132" dur="1" fill="hold">
+                                        <p:cTn id="116" dur="1" fill="hold">
                                           <p:stCondLst>
                                             <p:cond delay="499"/>
                                           </p:stCondLst>
@@ -14862,33 +14732,15 @@
                                   </p:childTnLst>
                                 </p:cTn>
                               </p:par>
-                            </p:childTnLst>
-                          </p:cTn>
-                        </p:par>
-                      </p:childTnLst>
-                    </p:cTn>
-                  </p:par>
-                  <p:par>
-                    <p:cTn id="133" fill="hold">
-                      <p:stCondLst>
-                        <p:cond delay="indefinite"/>
-                      </p:stCondLst>
-                      <p:childTnLst>
-                        <p:par>
-                          <p:cTn id="134" fill="hold">
-                            <p:stCondLst>
-                              <p:cond delay="0"/>
-                            </p:stCondLst>
-                            <p:childTnLst>
                               <p:par>
-                                <p:cTn id="135" presetID="10" presetClass="entr" presetSubtype="0" fill="hold" grpId="0" nodeType="clickEffect">
+                                <p:cTn id="117" presetID="10" presetClass="entr" presetSubtype="0" fill="hold" grpId="0" nodeType="withEffect">
                                   <p:stCondLst>
                                     <p:cond delay="0"/>
                                   </p:stCondLst>
                                   <p:childTnLst>
                                     <p:set>
                                       <p:cBhvr>
-                                        <p:cTn id="136" dur="1" fill="hold">
+                                        <p:cTn id="118" dur="1" fill="hold">
                                           <p:stCondLst>
                                             <p:cond delay="0"/>
                                           </p:stCondLst>
@@ -14906,65 +14758,12 @@
                                     </p:set>
                                     <p:animEffect transition="in" filter="fade">
                                       <p:cBhvr>
-                                        <p:cTn id="137" dur="500"/>
+                                        <p:cTn id="119" dur="500"/>
                                         <p:tgtEl>
                                           <p:spTgt spid="24"/>
                                         </p:tgtEl>
                                       </p:cBhvr>
                                     </p:animEffect>
-                                  </p:childTnLst>
-                                </p:cTn>
-                              </p:par>
-                            </p:childTnLst>
-                          </p:cTn>
-                        </p:par>
-                      </p:childTnLst>
-                    </p:cTn>
-                  </p:par>
-                  <p:par>
-                    <p:cTn id="138" fill="hold">
-                      <p:stCondLst>
-                        <p:cond delay="indefinite"/>
-                      </p:stCondLst>
-                      <p:childTnLst>
-                        <p:par>
-                          <p:cTn id="139" fill="hold">
-                            <p:stCondLst>
-                              <p:cond delay="0"/>
-                            </p:stCondLst>
-                            <p:childTnLst>
-                              <p:par>
-                                <p:cTn id="140" presetID="10" presetClass="exit" presetSubtype="0" fill="hold" grpId="1" nodeType="clickEffect">
-                                  <p:stCondLst>
-                                    <p:cond delay="0"/>
-                                  </p:stCondLst>
-                                  <p:childTnLst>
-                                    <p:animEffect transition="out" filter="fade">
-                                      <p:cBhvr>
-                                        <p:cTn id="141" dur="500"/>
-                                        <p:tgtEl>
-                                          <p:spTgt spid="24"/>
-                                        </p:tgtEl>
-                                      </p:cBhvr>
-                                    </p:animEffect>
-                                    <p:set>
-                                      <p:cBhvr>
-                                        <p:cTn id="142" dur="1" fill="hold">
-                                          <p:stCondLst>
-                                            <p:cond delay="499"/>
-                                          </p:stCondLst>
-                                        </p:cTn>
-                                        <p:tgtEl>
-                                          <p:spTgt spid="24"/>
-                                        </p:tgtEl>
-                                        <p:attrNameLst>
-                                          <p:attrName>style.visibility</p:attrName>
-                                        </p:attrNameLst>
-                                      </p:cBhvr>
-                                      <p:to>
-                                        <p:strVal val="hidden"/>
-                                      </p:to>
-                                    </p:set>
                                   </p:childTnLst>
                                 </p:cTn>
                               </p:par>
@@ -15027,7 +14826,6 @@
       <p:bldP spid="23" grpId="0" animBg="1"/>
       <p:bldP spid="23" grpId="1" animBg="1"/>
       <p:bldP spid="24" grpId="0" animBg="1"/>
-      <p:bldP spid="24" grpId="1" animBg="1"/>
     </p:bldLst>
   </p:timing>
 </p:sld>
@@ -15277,9 +15075,7 @@
           </a:solidFill>
           <a:ln>
             <a:solidFill>
-              <a:schemeClr val="bg2">
-                <a:lumMod val="90000"/>
-              </a:schemeClr>
+              <a:schemeClr val="tx1"/>
             </a:solidFill>
           </a:ln>
         </p:spPr>
@@ -15335,9 +15131,7 @@
           </a:solidFill>
           <a:ln>
             <a:solidFill>
-              <a:schemeClr val="bg2">
-                <a:lumMod val="90000"/>
-              </a:schemeClr>
+              <a:schemeClr val="tx1"/>
             </a:solidFill>
           </a:ln>
         </p:spPr>
@@ -16200,7 +15994,7 @@
         </p:nvSpPr>
         <p:spPr>
           <a:xfrm>
-            <a:off x="5555775" y="5321508"/>
+            <a:off x="5555775" y="5316578"/>
             <a:ext cx="949956" cy="582262"/>
           </a:xfrm>
           <a:prstGeom prst="rect">
@@ -16227,10 +16021,9 @@
           <a:bodyPr rtlCol="0" anchor="ctr"/>
           <a:lstStyle/>
           <a:p>
-            <a:pPr algn="ctr"/>
             <a:r>
               <a:rPr lang="fr-FR" dirty="0"/>
-              <a:t>2</a:t>
+              <a:t>  2</a:t>
             </a:r>
           </a:p>
         </p:txBody>
@@ -16276,10 +16069,9 @@
           <a:bodyPr rtlCol="0" anchor="ctr"/>
           <a:lstStyle/>
           <a:p>
-            <a:pPr algn="ctr"/>
             <a:r>
               <a:rPr lang="fr-FR" dirty="0"/>
-              <a:t>3</a:t>
+              <a:t>  3</a:t>
             </a:r>
           </a:p>
         </p:txBody>
@@ -16551,6 +16343,156 @@
           </a:p>
         </p:txBody>
       </p:sp>
+      <p:sp>
+        <p:nvSpPr>
+          <p:cNvPr id="38" name="Rectangle 37">
+            <a:extLst>
+              <a:ext uri="{FF2B5EF4-FFF2-40B4-BE49-F238E27FC236}">
+                <a16:creationId xmlns:a16="http://schemas.microsoft.com/office/drawing/2014/main" id="{A7146EB7-3364-42F5-97D9-4F70585BB20F}"/>
+              </a:ext>
+            </a:extLst>
+          </p:cNvPr>
+          <p:cNvSpPr/>
+          <p:nvPr/>
+        </p:nvSpPr>
+        <p:spPr>
+          <a:xfrm>
+            <a:off x="5567903" y="1782713"/>
+            <a:ext cx="2938564" cy="2052538"/>
+          </a:xfrm>
+          <a:prstGeom prst="rect">
+            <a:avLst/>
+          </a:prstGeom>
+          <a:solidFill>
+            <a:schemeClr val="bg1"/>
+          </a:solidFill>
+        </p:spPr>
+        <p:style>
+          <a:lnRef idx="2">
+            <a:schemeClr val="accent1">
+              <a:shade val="50000"/>
+            </a:schemeClr>
+          </a:lnRef>
+          <a:fillRef idx="1">
+            <a:schemeClr val="accent1"/>
+          </a:fillRef>
+          <a:effectRef idx="0">
+            <a:schemeClr val="accent1"/>
+          </a:effectRef>
+          <a:fontRef idx="minor">
+            <a:schemeClr val="lt1"/>
+          </a:fontRef>
+        </p:style>
+        <p:txBody>
+          <a:bodyPr rtlCol="0" anchor="ctr"/>
+          <a:lstStyle/>
+          <a:p>
+            <a:pPr algn="ctr"/>
+            <a:r>
+              <a:rPr lang="fr-FR" dirty="0">
+                <a:solidFill>
+                  <a:schemeClr val="tx1"/>
+                </a:solidFill>
+              </a:rPr>
+              <a:t>Image</a:t>
+            </a:r>
+          </a:p>
+        </p:txBody>
+      </p:sp>
+      <p:pic>
+        <p:nvPicPr>
+          <p:cNvPr id="1026" name="Picture 2" descr="Sword icon png, Sword icon png Transparent FREE for ...">
+            <a:extLst>
+              <a:ext uri="{FF2B5EF4-FFF2-40B4-BE49-F238E27FC236}">
+                <a16:creationId xmlns:a16="http://schemas.microsoft.com/office/drawing/2014/main" id="{3FA20606-F577-4BC5-B220-B1C9E488D3CA}"/>
+              </a:ext>
+            </a:extLst>
+          </p:cNvPr>
+          <p:cNvPicPr>
+            <a:picLocks noChangeAspect="1" noChangeArrowheads="1"/>
+          </p:cNvPicPr>
+          <p:nvPr/>
+        </p:nvPicPr>
+        <p:blipFill>
+          <a:blip r:embed="rId3" cstate="print">
+            <a:extLst>
+              <a:ext uri="{28A0092B-C50C-407E-A947-70E740481C1C}">
+                <a14:useLocalDpi xmlns:a14="http://schemas.microsoft.com/office/drawing/2010/main" val="0"/>
+              </a:ext>
+            </a:extLst>
+          </a:blip>
+          <a:srcRect/>
+          <a:stretch>
+            <a:fillRect/>
+          </a:stretch>
+        </p:blipFill>
+        <p:spPr bwMode="auto">
+          <a:xfrm>
+            <a:off x="6024969" y="5437960"/>
+            <a:ext cx="364917" cy="364917"/>
+          </a:xfrm>
+          <a:prstGeom prst="rect">
+            <a:avLst/>
+          </a:prstGeom>
+          <a:noFill/>
+          <a:extLst>
+            <a:ext uri="{909E8E84-426E-40DD-AFC4-6F175D3DCCD1}">
+              <a14:hiddenFill xmlns:a14="http://schemas.microsoft.com/office/drawing/2010/main">
+                <a:solidFill>
+                  <a:srgbClr val="FFFFFF"/>
+                </a:solidFill>
+              </a14:hiddenFill>
+            </a:ext>
+          </a:extLst>
+        </p:spPr>
+      </p:pic>
+      <p:pic>
+        <p:nvPicPr>
+          <p:cNvPr id="1028" name="Picture 4" descr="Vector Shield Icon 425563 - Download Free Vectors, Clipart ...">
+            <a:extLst>
+              <a:ext uri="{FF2B5EF4-FFF2-40B4-BE49-F238E27FC236}">
+                <a16:creationId xmlns:a16="http://schemas.microsoft.com/office/drawing/2014/main" id="{B1450D02-EDC2-4450-9CCD-F139E9E97A04}"/>
+              </a:ext>
+            </a:extLst>
+          </p:cNvPr>
+          <p:cNvPicPr>
+            <a:picLocks noChangeAspect="1" noChangeArrowheads="1"/>
+          </p:cNvPicPr>
+          <p:nvPr/>
+        </p:nvPicPr>
+        <p:blipFill>
+          <a:blip r:embed="rId4" cstate="print">
+            <a:extLst>
+              <a:ext uri="{28A0092B-C50C-407E-A947-70E740481C1C}">
+                <a14:useLocalDpi xmlns:a14="http://schemas.microsoft.com/office/drawing/2010/main" val="0"/>
+              </a:ext>
+            </a:extLst>
+          </a:blip>
+          <a:srcRect/>
+          <a:stretch>
+            <a:fillRect/>
+          </a:stretch>
+        </p:blipFill>
+        <p:spPr bwMode="auto">
+          <a:xfrm>
+            <a:off x="7973080" y="5398982"/>
+            <a:ext cx="442871" cy="442871"/>
+          </a:xfrm>
+          <a:prstGeom prst="rect">
+            <a:avLst/>
+          </a:prstGeom>
+          <a:noFill/>
+          <a:extLst>
+            <a:ext uri="{909E8E84-426E-40DD-AFC4-6F175D3DCCD1}">
+              <a14:hiddenFill xmlns:a14="http://schemas.microsoft.com/office/drawing/2010/main">
+                <a:solidFill>
+                  <a:srgbClr val="FFFFFF"/>
+                </a:solidFill>
+              </a14:hiddenFill>
+            </a:ext>
+          </a:extLst>
+        </p:spPr>
+      </p:pic>
     </p:spTree>
     <p:extLst>
       <p:ext uri="{BB962C8B-B14F-4D97-AF65-F5344CB8AC3E}">
@@ -16669,33 +16611,15 @@
                                   </p:childTnLst>
                                 </p:cTn>
                               </p:par>
-                            </p:childTnLst>
-                          </p:cTn>
-                        </p:par>
-                      </p:childTnLst>
-                    </p:cTn>
-                  </p:par>
-                  <p:par>
-                    <p:cTn id="13" fill="hold">
-                      <p:stCondLst>
-                        <p:cond delay="indefinite"/>
-                      </p:stCondLst>
-                      <p:childTnLst>
-                        <p:par>
-                          <p:cTn id="14" fill="hold">
-                            <p:stCondLst>
-                              <p:cond delay="0"/>
-                            </p:stCondLst>
-                            <p:childTnLst>
                               <p:par>
-                                <p:cTn id="15" presetID="10" presetClass="entr" presetSubtype="0" fill="hold" grpId="0" nodeType="clickEffect">
+                                <p:cTn id="13" presetID="10" presetClass="entr" presetSubtype="0" fill="hold" grpId="0" nodeType="withEffect">
                                   <p:stCondLst>
                                     <p:cond delay="0"/>
                                   </p:stCondLst>
                                   <p:childTnLst>
                                     <p:set>
                                       <p:cBhvr>
-                                        <p:cTn id="16" dur="1" fill="hold">
+                                        <p:cTn id="14" dur="1" fill="hold">
                                           <p:stCondLst>
                                             <p:cond delay="0"/>
                                           </p:stCondLst>
@@ -16713,7 +16637,7 @@
                                     </p:set>
                                     <p:animEffect transition="in" filter="fade">
                                       <p:cBhvr>
-                                        <p:cTn id="17" dur="500"/>
+                                        <p:cTn id="15" dur="500"/>
                                         <p:tgtEl>
                                           <p:spTgt spid="11"/>
                                         </p:tgtEl>
@@ -16729,26 +16653,26 @@
                     </p:cTn>
                   </p:par>
                   <p:par>
-                    <p:cTn id="18" fill="hold">
+                    <p:cTn id="16" fill="hold">
                       <p:stCondLst>
                         <p:cond delay="indefinite"/>
                       </p:stCondLst>
                       <p:childTnLst>
                         <p:par>
-                          <p:cTn id="19" fill="hold">
+                          <p:cTn id="17" fill="hold">
                             <p:stCondLst>
                               <p:cond delay="0"/>
                             </p:stCondLst>
                             <p:childTnLst>
                               <p:par>
-                                <p:cTn id="20" presetID="10" presetClass="exit" presetSubtype="0" fill="hold" grpId="1" nodeType="clickEffect">
+                                <p:cTn id="18" presetID="10" presetClass="exit" presetSubtype="0" fill="hold" grpId="1" nodeType="clickEffect">
                                   <p:stCondLst>
                                     <p:cond delay="0"/>
                                   </p:stCondLst>
                                   <p:childTnLst>
                                     <p:animEffect transition="out" filter="fade">
                                       <p:cBhvr>
-                                        <p:cTn id="21" dur="500"/>
+                                        <p:cTn id="19" dur="500"/>
                                         <p:tgtEl>
                                           <p:spTgt spid="11"/>
                                         </p:tgtEl>
@@ -16756,7 +16680,7 @@
                                     </p:animEffect>
                                     <p:set>
                                       <p:cBhvr>
-                                        <p:cTn id="22" dur="1" fill="hold">
+                                        <p:cTn id="20" dur="1" fill="hold">
                                           <p:stCondLst>
                                             <p:cond delay="499"/>
                                           </p:stCondLst>
@@ -16782,26 +16706,26 @@
                     </p:cTn>
                   </p:par>
                   <p:par>
-                    <p:cTn id="23" fill="hold">
+                    <p:cTn id="21" fill="hold">
                       <p:stCondLst>
                         <p:cond delay="indefinite"/>
                       </p:stCondLst>
                       <p:childTnLst>
                         <p:par>
-                          <p:cTn id="24" fill="hold">
+                          <p:cTn id="22" fill="hold">
                             <p:stCondLst>
                               <p:cond delay="0"/>
                             </p:stCondLst>
                             <p:childTnLst>
                               <p:par>
-                                <p:cTn id="25" presetID="2" presetClass="entr" presetSubtype="4" fill="hold" grpId="0" nodeType="clickEffect">
+                                <p:cTn id="23" presetID="2" presetClass="entr" presetSubtype="4" fill="hold" grpId="0" nodeType="clickEffect">
                                   <p:stCondLst>
                                     <p:cond delay="0"/>
                                   </p:stCondLst>
                                   <p:childTnLst>
                                     <p:set>
                                       <p:cBhvr>
-                                        <p:cTn id="26" dur="1" fill="hold">
+                                        <p:cTn id="24" dur="1" fill="hold">
                                           <p:stCondLst>
                                             <p:cond delay="0"/>
                                           </p:stCondLst>
@@ -16819,7 +16743,7 @@
                                     </p:set>
                                     <p:anim calcmode="lin" valueType="num">
                                       <p:cBhvr additive="base">
-                                        <p:cTn id="27" dur="500" fill="hold"/>
+                                        <p:cTn id="25" dur="500" fill="hold"/>
                                         <p:tgtEl>
                                           <p:spTgt spid="29"/>
                                         </p:tgtEl>
@@ -16842,7 +16766,7 @@
                                     </p:anim>
                                     <p:anim calcmode="lin" valueType="num">
                                       <p:cBhvr additive="base">
-                                        <p:cTn id="28" dur="500" fill="hold"/>
+                                        <p:cTn id="26" dur="500" fill="hold"/>
                                         <p:tgtEl>
                                           <p:spTgt spid="29"/>
                                         </p:tgtEl>
@@ -16873,19 +16797,46 @@
                     </p:cTn>
                   </p:par>
                   <p:par>
-                    <p:cTn id="29" fill="hold">
+                    <p:cTn id="27" fill="hold">
                       <p:stCondLst>
                         <p:cond delay="indefinite"/>
                       </p:stCondLst>
                       <p:childTnLst>
                         <p:par>
-                          <p:cTn id="30" fill="hold">
+                          <p:cTn id="28" fill="hold">
                             <p:stCondLst>
                               <p:cond delay="0"/>
                             </p:stCondLst>
                             <p:childTnLst>
                               <p:par>
-                                <p:cTn id="31" presetID="1" presetClass="entr" presetSubtype="0" fill="hold" grpId="0" nodeType="clickEffect">
+                                <p:cTn id="29" presetID="1" presetClass="entr" presetSubtype="0" fill="hold" grpId="0" nodeType="clickEffect">
+                                  <p:stCondLst>
+                                    <p:cond delay="0"/>
+                                  </p:stCondLst>
+                                  <p:childTnLst>
+                                    <p:set>
+                                      <p:cBhvr>
+                                        <p:cTn id="30" dur="1" fill="hold">
+                                          <p:stCondLst>
+                                            <p:cond delay="0"/>
+                                          </p:stCondLst>
+                                        </p:cTn>
+                                        <p:tgtEl>
+                                          <p:spTgt spid="30"/>
+                                        </p:tgtEl>
+                                        <p:attrNameLst>
+                                          <p:attrName>style.visibility</p:attrName>
+                                        </p:attrNameLst>
+                                      </p:cBhvr>
+                                      <p:to>
+                                        <p:strVal val="visible"/>
+                                      </p:to>
+                                    </p:set>
+                                  </p:childTnLst>
+                                </p:cTn>
+                              </p:par>
+                              <p:par>
+                                <p:cTn id="31" presetID="1" presetClass="entr" presetSubtype="0" fill="hold" grpId="0" nodeType="withEffect">
                                   <p:stCondLst>
                                     <p:cond delay="0"/>
                                   </p:stCondLst>
@@ -16898,7 +16849,7 @@
                                           </p:stCondLst>
                                         </p:cTn>
                                         <p:tgtEl>
-                                          <p:spTgt spid="30"/>
+                                          <p:spTgt spid="34"/>
                                         </p:tgtEl>
                                         <p:attrNameLst>
                                           <p:attrName>style.visibility</p:attrName>
@@ -16925,7 +16876,7 @@
                                           </p:stCondLst>
                                         </p:cTn>
                                         <p:tgtEl>
-                                          <p:spTgt spid="34"/>
+                                          <p:spTgt spid="31"/>
                                         </p:tgtEl>
                                         <p:attrNameLst>
                                           <p:attrName>style.visibility</p:attrName>
@@ -16939,7 +16890,7 @@
                                 </p:cTn>
                               </p:par>
                               <p:par>
-                                <p:cTn id="35" presetID="1" presetClass="entr" presetSubtype="0" fill="hold" grpId="0" nodeType="withEffect">
+                                <p:cTn id="35" presetID="1" presetClass="entr" presetSubtype="0" fill="hold" nodeType="withEffect">
                                   <p:stCondLst>
                                     <p:cond delay="0"/>
                                   </p:stCondLst>
@@ -16952,7 +16903,7 @@
                                           </p:stCondLst>
                                         </p:cTn>
                                         <p:tgtEl>
-                                          <p:spTgt spid="31"/>
+                                          <p:spTgt spid="1026"/>
                                         </p:tgtEl>
                                         <p:attrNameLst>
                                           <p:attrName>style.visibility</p:attrName>
@@ -16979,6 +16930,60 @@
                                           </p:stCondLst>
                                         </p:cTn>
                                         <p:tgtEl>
+                                          <p:spTgt spid="38"/>
+                                        </p:tgtEl>
+                                        <p:attrNameLst>
+                                          <p:attrName>style.visibility</p:attrName>
+                                        </p:attrNameLst>
+                                      </p:cBhvr>
+                                      <p:to>
+                                        <p:strVal val="visible"/>
+                                      </p:to>
+                                    </p:set>
+                                  </p:childTnLst>
+                                </p:cTn>
+                              </p:par>
+                              <p:par>
+                                <p:cTn id="39" presetID="1" presetClass="entr" presetSubtype="0" fill="hold" nodeType="withEffect">
+                                  <p:stCondLst>
+                                    <p:cond delay="0"/>
+                                  </p:stCondLst>
+                                  <p:childTnLst>
+                                    <p:set>
+                                      <p:cBhvr>
+                                        <p:cTn id="40" dur="1" fill="hold">
+                                          <p:stCondLst>
+                                            <p:cond delay="0"/>
+                                          </p:stCondLst>
+                                        </p:cTn>
+                                        <p:tgtEl>
+                                          <p:spTgt spid="1028"/>
+                                        </p:tgtEl>
+                                        <p:attrNameLst>
+                                          <p:attrName>style.visibility</p:attrName>
+                                        </p:attrNameLst>
+                                      </p:cBhvr>
+                                      <p:to>
+                                        <p:strVal val="visible"/>
+                                      </p:to>
+                                    </p:set>
+                                  </p:childTnLst>
+                                </p:cTn>
+                              </p:par>
+                              <p:par>
+                                <p:cTn id="41" presetID="1" presetClass="entr" presetSubtype="0" fill="hold" grpId="0" nodeType="withEffect">
+                                  <p:stCondLst>
+                                    <p:cond delay="0"/>
+                                  </p:stCondLst>
+                                  <p:childTnLst>
+                                    <p:set>
+                                      <p:cBhvr>
+                                        <p:cTn id="42" dur="1" fill="hold">
+                                          <p:stCondLst>
+                                            <p:cond delay="0"/>
+                                          </p:stCondLst>
+                                        </p:cTn>
+                                        <p:tgtEl>
                                           <p:spTgt spid="32"/>
                                         </p:tgtEl>
                                         <p:attrNameLst>
@@ -16993,14 +16998,14 @@
                                 </p:cTn>
                               </p:par>
                               <p:par>
-                                <p:cTn id="39" presetID="1" presetClass="entr" presetSubtype="0" fill="hold" grpId="0" nodeType="withEffect">
+                                <p:cTn id="43" presetID="1" presetClass="entr" presetSubtype="0" fill="hold" grpId="0" nodeType="withEffect">
                                   <p:stCondLst>
                                     <p:cond delay="0"/>
                                   </p:stCondLst>
                                   <p:childTnLst>
                                     <p:set>
                                       <p:cBhvr>
-                                        <p:cTn id="40" dur="1" fill="hold">
+                                        <p:cTn id="44" dur="1" fill="hold">
                                           <p:stCondLst>
                                             <p:cond delay="0"/>
                                           </p:stCondLst>
@@ -17026,73 +17031,19 @@
                     </p:cTn>
                   </p:par>
                   <p:par>
-                    <p:cTn id="41" fill="hold">
+                    <p:cTn id="45" fill="hold">
                       <p:stCondLst>
                         <p:cond delay="indefinite"/>
                       </p:stCondLst>
                       <p:childTnLst>
                         <p:par>
-                          <p:cTn id="42" fill="hold">
+                          <p:cTn id="46" fill="hold">
                             <p:stCondLst>
                               <p:cond delay="0"/>
                             </p:stCondLst>
                             <p:childTnLst>
                               <p:par>
-                                <p:cTn id="43" presetID="1" presetClass="exit" presetSubtype="0" fill="hold" grpId="1" nodeType="clickEffect">
-                                  <p:stCondLst>
-                                    <p:cond delay="0"/>
-                                  </p:stCondLst>
-                                  <p:childTnLst>
-                                    <p:set>
-                                      <p:cBhvr>
-                                        <p:cTn id="44" dur="1" fill="hold">
-                                          <p:stCondLst>
-                                            <p:cond delay="0"/>
-                                          </p:stCondLst>
-                                        </p:cTn>
-                                        <p:tgtEl>
-                                          <p:spTgt spid="30"/>
-                                        </p:tgtEl>
-                                        <p:attrNameLst>
-                                          <p:attrName>style.visibility</p:attrName>
-                                        </p:attrNameLst>
-                                      </p:cBhvr>
-                                      <p:to>
-                                        <p:strVal val="hidden"/>
-                                      </p:to>
-                                    </p:set>
-                                  </p:childTnLst>
-                                </p:cTn>
-                              </p:par>
-                              <p:par>
-                                <p:cTn id="45" presetID="1" presetClass="exit" presetSubtype="0" fill="hold" grpId="1" nodeType="withEffect">
-                                  <p:stCondLst>
-                                    <p:cond delay="0"/>
-                                  </p:stCondLst>
-                                  <p:childTnLst>
-                                    <p:set>
-                                      <p:cBhvr>
-                                        <p:cTn id="46" dur="1" fill="hold">
-                                          <p:stCondLst>
-                                            <p:cond delay="0"/>
-                                          </p:stCondLst>
-                                        </p:cTn>
-                                        <p:tgtEl>
-                                          <p:spTgt spid="33"/>
-                                        </p:tgtEl>
-                                        <p:attrNameLst>
-                                          <p:attrName>style.visibility</p:attrName>
-                                        </p:attrNameLst>
-                                      </p:cBhvr>
-                                      <p:to>
-                                        <p:strVal val="hidden"/>
-                                      </p:to>
-                                    </p:set>
-                                  </p:childTnLst>
-                                </p:cTn>
-                              </p:par>
-                              <p:par>
-                                <p:cTn id="47" presetID="1" presetClass="exit" presetSubtype="0" fill="hold" grpId="1" nodeType="withEffect">
+                                <p:cTn id="47" presetID="1" presetClass="exit" presetSubtype="0" fill="hold" grpId="1" nodeType="clickEffect">
                                   <p:stCondLst>
                                     <p:cond delay="0"/>
                                   </p:stCondLst>
@@ -17105,7 +17056,7 @@
                                           </p:stCondLst>
                                         </p:cTn>
                                         <p:tgtEl>
-                                          <p:spTgt spid="34"/>
+                                          <p:spTgt spid="30"/>
                                         </p:tgtEl>
                                         <p:attrNameLst>
                                           <p:attrName>style.visibility</p:attrName>
@@ -17132,7 +17083,7 @@
                                           </p:stCondLst>
                                         </p:cTn>
                                         <p:tgtEl>
-                                          <p:spTgt spid="31"/>
+                                          <p:spTgt spid="33"/>
                                         </p:tgtEl>
                                         <p:attrNameLst>
                                           <p:attrName>style.visibility</p:attrName>
@@ -17159,7 +17110,7 @@
                                           </p:stCondLst>
                                         </p:cTn>
                                         <p:tgtEl>
-                                          <p:spTgt spid="32"/>
+                                          <p:spTgt spid="34"/>
                                         </p:tgtEl>
                                         <p:attrNameLst>
                                           <p:attrName>style.visibility</p:attrName>
@@ -17172,47 +17123,21 @@
                                   </p:childTnLst>
                                 </p:cTn>
                               </p:par>
-                            </p:childTnLst>
-                          </p:cTn>
-                        </p:par>
-                      </p:childTnLst>
-                    </p:cTn>
-                  </p:par>
-                  <p:par>
-                    <p:cTn id="53" fill="hold">
-                      <p:stCondLst>
-                        <p:cond delay="indefinite"/>
-                      </p:stCondLst>
-                      <p:childTnLst>
-                        <p:par>
-                          <p:cTn id="54" fill="hold">
-                            <p:stCondLst>
-                              <p:cond delay="0"/>
-                            </p:stCondLst>
-                            <p:childTnLst>
                               <p:par>
-                                <p:cTn id="55" presetID="10" presetClass="exit" presetSubtype="0" fill="hold" grpId="0" nodeType="clickEffect">
+                                <p:cTn id="53" presetID="1" presetClass="exit" presetSubtype="0" fill="hold" nodeType="withEffect">
                                   <p:stCondLst>
                                     <p:cond delay="0"/>
                                   </p:stCondLst>
                                   <p:childTnLst>
-                                    <p:animEffect transition="out" filter="fade">
-                                      <p:cBhvr>
-                                        <p:cTn id="56" dur="500"/>
-                                        <p:tgtEl>
-                                          <p:spTgt spid="27"/>
-                                        </p:tgtEl>
-                                      </p:cBhvr>
-                                    </p:animEffect>
                                     <p:set>
                                       <p:cBhvr>
-                                        <p:cTn id="57" dur="1" fill="hold">
+                                        <p:cTn id="54" dur="1" fill="hold">
                                           <p:stCondLst>
-                                            <p:cond delay="499"/>
+                                            <p:cond delay="0"/>
                                           </p:stCondLst>
                                         </p:cTn>
                                         <p:tgtEl>
-                                          <p:spTgt spid="27"/>
+                                          <p:spTgt spid="1028"/>
                                         </p:tgtEl>
                                         <p:attrNameLst>
                                           <p:attrName>style.visibility</p:attrName>
@@ -17225,56 +17150,111 @@
                                   </p:childTnLst>
                                 </p:cTn>
                               </p:par>
-                            </p:childTnLst>
-                          </p:cTn>
-                        </p:par>
-                      </p:childTnLst>
-                    </p:cTn>
-                  </p:par>
-                  <p:par>
-                    <p:cTn id="58" fill="hold">
-                      <p:stCondLst>
-                        <p:cond delay="indefinite"/>
-                      </p:stCondLst>
-                      <p:childTnLst>
-                        <p:par>
-                          <p:cTn id="59" fill="hold">
-                            <p:stCondLst>
-                              <p:cond delay="0"/>
-                            </p:stCondLst>
-                            <p:childTnLst>
                               <p:par>
-                                <p:cTn id="60" presetID="10" presetClass="entr" presetSubtype="0" fill="hold" grpId="0" nodeType="clickEffect">
+                                <p:cTn id="55" presetID="1" presetClass="exit" presetSubtype="0" fill="hold" grpId="1" nodeType="withEffect">
                                   <p:stCondLst>
                                     <p:cond delay="0"/>
                                   </p:stCondLst>
                                   <p:childTnLst>
                                     <p:set>
                                       <p:cBhvr>
-                                        <p:cTn id="61" dur="1" fill="hold">
+                                        <p:cTn id="56" dur="1" fill="hold">
                                           <p:stCondLst>
                                             <p:cond delay="0"/>
                                           </p:stCondLst>
                                         </p:cTn>
                                         <p:tgtEl>
-                                          <p:spTgt spid="12"/>
+                                          <p:spTgt spid="38"/>
                                         </p:tgtEl>
                                         <p:attrNameLst>
                                           <p:attrName>style.visibility</p:attrName>
                                         </p:attrNameLst>
                                       </p:cBhvr>
                                       <p:to>
-                                        <p:strVal val="visible"/>
+                                        <p:strVal val="hidden"/>
                                       </p:to>
                                     </p:set>
-                                    <p:animEffect transition="in" filter="fade">
+                                  </p:childTnLst>
+                                </p:cTn>
+                              </p:par>
+                              <p:par>
+                                <p:cTn id="57" presetID="1" presetClass="exit" presetSubtype="0" fill="hold" nodeType="withEffect">
+                                  <p:stCondLst>
+                                    <p:cond delay="0"/>
+                                  </p:stCondLst>
+                                  <p:childTnLst>
+                                    <p:set>
                                       <p:cBhvr>
-                                        <p:cTn id="62" dur="500"/>
+                                        <p:cTn id="58" dur="1" fill="hold">
+                                          <p:stCondLst>
+                                            <p:cond delay="0"/>
+                                          </p:stCondLst>
+                                        </p:cTn>
                                         <p:tgtEl>
-                                          <p:spTgt spid="12"/>
+                                          <p:spTgt spid="1026"/>
                                         </p:tgtEl>
+                                        <p:attrNameLst>
+                                          <p:attrName>style.visibility</p:attrName>
+                                        </p:attrNameLst>
                                       </p:cBhvr>
-                                    </p:animEffect>
+                                      <p:to>
+                                        <p:strVal val="hidden"/>
+                                      </p:to>
+                                    </p:set>
+                                  </p:childTnLst>
+                                </p:cTn>
+                              </p:par>
+                              <p:par>
+                                <p:cTn id="59" presetID="1" presetClass="exit" presetSubtype="0" fill="hold" grpId="1" nodeType="withEffect">
+                                  <p:stCondLst>
+                                    <p:cond delay="0"/>
+                                  </p:stCondLst>
+                                  <p:childTnLst>
+                                    <p:set>
+                                      <p:cBhvr>
+                                        <p:cTn id="60" dur="1" fill="hold">
+                                          <p:stCondLst>
+                                            <p:cond delay="0"/>
+                                          </p:stCondLst>
+                                        </p:cTn>
+                                        <p:tgtEl>
+                                          <p:spTgt spid="31"/>
+                                        </p:tgtEl>
+                                        <p:attrNameLst>
+                                          <p:attrName>style.visibility</p:attrName>
+                                        </p:attrNameLst>
+                                      </p:cBhvr>
+                                      <p:to>
+                                        <p:strVal val="hidden"/>
+                                      </p:to>
+                                    </p:set>
+                                  </p:childTnLst>
+                                </p:cTn>
+                              </p:par>
+                              <p:par>
+                                <p:cTn id="61" presetID="1" presetClass="exit" presetSubtype="0" fill="hold" grpId="1" nodeType="withEffect">
+                                  <p:stCondLst>
+                                    <p:cond delay="0"/>
+                                  </p:stCondLst>
+                                  <p:childTnLst>
+                                    <p:set>
+                                      <p:cBhvr>
+                                        <p:cTn id="62" dur="1" fill="hold">
+                                          <p:stCondLst>
+                                            <p:cond delay="0"/>
+                                          </p:stCondLst>
+                                        </p:cTn>
+                                        <p:tgtEl>
+                                          <p:spTgt spid="32"/>
+                                        </p:tgtEl>
+                                        <p:attrNameLst>
+                                          <p:attrName>style.visibility</p:attrName>
+                                        </p:attrNameLst>
+                                      </p:cBhvr>
+                                      <p:to>
+                                        <p:strVal val="hidden"/>
+                                      </p:to>
+                                    </p:set>
                                   </p:childTnLst>
                                 </p:cTn>
                               </p:par>
@@ -17297,14 +17277,84 @@
                             </p:stCondLst>
                             <p:childTnLst>
                               <p:par>
-                                <p:cTn id="65" presetID="10" presetClass="entr" presetSubtype="0" fill="hold" grpId="0" nodeType="clickEffect">
+                                <p:cTn id="65" presetID="10" presetClass="exit" presetSubtype="0" fill="hold" grpId="0" nodeType="clickEffect">
+                                  <p:stCondLst>
+                                    <p:cond delay="0"/>
+                                  </p:stCondLst>
+                                  <p:childTnLst>
+                                    <p:animEffect transition="out" filter="fade">
+                                      <p:cBhvr>
+                                        <p:cTn id="66" dur="500"/>
+                                        <p:tgtEl>
+                                          <p:spTgt spid="27"/>
+                                        </p:tgtEl>
+                                      </p:cBhvr>
+                                    </p:animEffect>
+                                    <p:set>
+                                      <p:cBhvr>
+                                        <p:cTn id="67" dur="1" fill="hold">
+                                          <p:stCondLst>
+                                            <p:cond delay="499"/>
+                                          </p:stCondLst>
+                                        </p:cTn>
+                                        <p:tgtEl>
+                                          <p:spTgt spid="27"/>
+                                        </p:tgtEl>
+                                        <p:attrNameLst>
+                                          <p:attrName>style.visibility</p:attrName>
+                                        </p:attrNameLst>
+                                      </p:cBhvr>
+                                      <p:to>
+                                        <p:strVal val="hidden"/>
+                                      </p:to>
+                                    </p:set>
+                                  </p:childTnLst>
+                                </p:cTn>
+                              </p:par>
+                              <p:par>
+                                <p:cTn id="68" presetID="10" presetClass="entr" presetSubtype="0" fill="hold" grpId="0" nodeType="withEffect">
                                   <p:stCondLst>
                                     <p:cond delay="0"/>
                                   </p:stCondLst>
                                   <p:childTnLst>
                                     <p:set>
                                       <p:cBhvr>
-                                        <p:cTn id="66" dur="1" fill="hold">
+                                        <p:cTn id="69" dur="1" fill="hold">
+                                          <p:stCondLst>
+                                            <p:cond delay="0"/>
+                                          </p:stCondLst>
+                                        </p:cTn>
+                                        <p:tgtEl>
+                                          <p:spTgt spid="12"/>
+                                        </p:tgtEl>
+                                        <p:attrNameLst>
+                                          <p:attrName>style.visibility</p:attrName>
+                                        </p:attrNameLst>
+                                      </p:cBhvr>
+                                      <p:to>
+                                        <p:strVal val="visible"/>
+                                      </p:to>
+                                    </p:set>
+                                    <p:animEffect transition="in" filter="fade">
+                                      <p:cBhvr>
+                                        <p:cTn id="70" dur="500"/>
+                                        <p:tgtEl>
+                                          <p:spTgt spid="12"/>
+                                        </p:tgtEl>
+                                      </p:cBhvr>
+                                    </p:animEffect>
+                                  </p:childTnLst>
+                                </p:cTn>
+                              </p:par>
+                              <p:par>
+                                <p:cTn id="71" presetID="10" presetClass="entr" presetSubtype="0" fill="hold" grpId="0" nodeType="withEffect">
+                                  <p:stCondLst>
+                                    <p:cond delay="0"/>
+                                  </p:stCondLst>
+                                  <p:childTnLst>
+                                    <p:set>
+                                      <p:cBhvr>
+                                        <p:cTn id="72" dur="1" fill="hold">
                                           <p:stCondLst>
                                             <p:cond delay="0"/>
                                           </p:stCondLst>
@@ -17322,7 +17372,7 @@
                                     </p:set>
                                     <p:animEffect transition="in" filter="fade">
                                       <p:cBhvr>
-                                        <p:cTn id="67" dur="500"/>
+                                        <p:cTn id="73" dur="500"/>
                                         <p:tgtEl>
                                           <p:spTgt spid="35"/>
                                         </p:tgtEl>
@@ -17332,14 +17382,14 @@
                                 </p:cTn>
                               </p:par>
                               <p:par>
-                                <p:cTn id="68" presetID="10" presetClass="entr" presetSubtype="0" fill="hold" grpId="0" nodeType="withEffect">
+                                <p:cTn id="74" presetID="10" presetClass="entr" presetSubtype="0" fill="hold" grpId="0" nodeType="withEffect">
                                   <p:stCondLst>
                                     <p:cond delay="0"/>
                                   </p:stCondLst>
                                   <p:childTnLst>
                                     <p:set>
                                       <p:cBhvr>
-                                        <p:cTn id="69" dur="1" fill="hold">
+                                        <p:cTn id="75" dur="1" fill="hold">
                                           <p:stCondLst>
                                             <p:cond delay="0"/>
                                           </p:stCondLst>
@@ -17357,7 +17407,7 @@
                                     </p:set>
                                     <p:animEffect transition="in" filter="fade">
                                       <p:cBhvr>
-                                        <p:cTn id="70" dur="500"/>
+                                        <p:cTn id="76" dur="500"/>
                                         <p:tgtEl>
                                           <p:spTgt spid="36"/>
                                         </p:tgtEl>
@@ -17373,26 +17423,26 @@
                     </p:cTn>
                   </p:par>
                   <p:par>
-                    <p:cTn id="71" fill="hold">
+                    <p:cTn id="77" fill="hold">
                       <p:stCondLst>
                         <p:cond delay="indefinite"/>
                       </p:stCondLst>
                       <p:childTnLst>
                         <p:par>
-                          <p:cTn id="72" fill="hold">
+                          <p:cTn id="78" fill="hold">
                             <p:stCondLst>
                               <p:cond delay="0"/>
                             </p:stCondLst>
                             <p:childTnLst>
                               <p:par>
-                                <p:cTn id="73" presetID="10" presetClass="exit" presetSubtype="0" fill="hold" grpId="0" nodeType="clickEffect">
+                                <p:cTn id="79" presetID="10" presetClass="exit" presetSubtype="0" fill="hold" grpId="0" nodeType="clickEffect">
                                   <p:stCondLst>
                                     <p:cond delay="0"/>
                                   </p:stCondLst>
                                   <p:childTnLst>
                                     <p:animEffect transition="out" filter="fade">
                                       <p:cBhvr>
-                                        <p:cTn id="74" dur="500"/>
+                                        <p:cTn id="80" dur="500"/>
                                         <p:tgtEl>
                                           <p:spTgt spid="26"/>
                                         </p:tgtEl>
@@ -17400,7 +17450,7 @@
                                     </p:animEffect>
                                     <p:set>
                                       <p:cBhvr>
-                                        <p:cTn id="75" dur="1" fill="hold">
+                                        <p:cTn id="81" dur="1" fill="hold">
                                           <p:stCondLst>
                                             <p:cond delay="499"/>
                                           </p:stCondLst>
@@ -17419,33 +17469,15 @@
                                   </p:childTnLst>
                                 </p:cTn>
                               </p:par>
-                            </p:childTnLst>
-                          </p:cTn>
-                        </p:par>
-                      </p:childTnLst>
-                    </p:cTn>
-                  </p:par>
-                  <p:par>
-                    <p:cTn id="76" fill="hold">
-                      <p:stCondLst>
-                        <p:cond delay="indefinite"/>
-                      </p:stCondLst>
-                      <p:childTnLst>
-                        <p:par>
-                          <p:cTn id="77" fill="hold">
-                            <p:stCondLst>
-                              <p:cond delay="0"/>
-                            </p:stCondLst>
-                            <p:childTnLst>
                               <p:par>
-                                <p:cTn id="78" presetID="10" presetClass="entr" presetSubtype="0" fill="hold" grpId="0" nodeType="clickEffect">
+                                <p:cTn id="82" presetID="10" presetClass="entr" presetSubtype="0" fill="hold" grpId="0" nodeType="withEffect">
                                   <p:stCondLst>
                                     <p:cond delay="0"/>
                                   </p:stCondLst>
                                   <p:childTnLst>
                                     <p:set>
                                       <p:cBhvr>
-                                        <p:cTn id="79" dur="1" fill="hold">
+                                        <p:cTn id="83" dur="1" fill="hold">
                                           <p:stCondLst>
                                             <p:cond delay="0"/>
                                           </p:stCondLst>
@@ -17463,7 +17495,7 @@
                                     </p:set>
                                     <p:animEffect transition="in" filter="fade">
                                       <p:cBhvr>
-                                        <p:cTn id="80" dur="500"/>
+                                        <p:cTn id="84" dur="500"/>
                                         <p:tgtEl>
                                           <p:spTgt spid="13"/>
                                         </p:tgtEl>
@@ -17479,26 +17511,26 @@
                     </p:cTn>
                   </p:par>
                   <p:par>
-                    <p:cTn id="81" fill="hold">
+                    <p:cTn id="85" fill="hold">
                       <p:stCondLst>
                         <p:cond delay="indefinite"/>
                       </p:stCondLst>
                       <p:childTnLst>
                         <p:par>
-                          <p:cTn id="82" fill="hold">
+                          <p:cTn id="86" fill="hold">
                             <p:stCondLst>
                               <p:cond delay="0"/>
                             </p:stCondLst>
                             <p:childTnLst>
                               <p:par>
-                                <p:cTn id="83" presetID="14" presetClass="exit" presetSubtype="10" fill="hold" grpId="1" nodeType="clickEffect">
+                                <p:cTn id="87" presetID="14" presetClass="exit" presetSubtype="10" fill="hold" grpId="1" nodeType="clickEffect">
                                   <p:stCondLst>
                                     <p:cond delay="0"/>
                                   </p:stCondLst>
                                   <p:childTnLst>
                                     <p:animEffect transition="out" filter="randombar(horizontal)">
                                       <p:cBhvr>
-                                        <p:cTn id="84" dur="500"/>
+                                        <p:cTn id="88" dur="500"/>
                                         <p:tgtEl>
                                           <p:spTgt spid="13"/>
                                         </p:tgtEl>
@@ -17506,7 +17538,7 @@
                                     </p:animEffect>
                                     <p:set>
                                       <p:cBhvr>
-                                        <p:cTn id="85" dur="1" fill="hold">
+                                        <p:cTn id="89" dur="1" fill="hold">
                                           <p:stCondLst>
                                             <p:cond delay="499"/>
                                           </p:stCondLst>
@@ -17525,33 +17557,15 @@
                                   </p:childTnLst>
                                 </p:cTn>
                               </p:par>
-                            </p:childTnLst>
-                          </p:cTn>
-                        </p:par>
-                      </p:childTnLst>
-                    </p:cTn>
-                  </p:par>
-                  <p:par>
-                    <p:cTn id="86" fill="hold">
-                      <p:stCondLst>
-                        <p:cond delay="indefinite"/>
-                      </p:stCondLst>
-                      <p:childTnLst>
-                        <p:par>
-                          <p:cTn id="87" fill="hold">
-                            <p:stCondLst>
-                              <p:cond delay="0"/>
-                            </p:stCondLst>
-                            <p:childTnLst>
                               <p:par>
-                                <p:cTn id="88" presetID="10" presetClass="entr" presetSubtype="0" fill="hold" grpId="0" nodeType="clickEffect">
+                                <p:cTn id="90" presetID="10" presetClass="entr" presetSubtype="0" fill="hold" grpId="0" nodeType="withEffect">
                                   <p:stCondLst>
                                     <p:cond delay="0"/>
                                   </p:stCondLst>
                                   <p:childTnLst>
                                     <p:set>
                                       <p:cBhvr>
-                                        <p:cTn id="89" dur="1" fill="hold">
+                                        <p:cTn id="91" dur="1" fill="hold">
                                           <p:stCondLst>
                                             <p:cond delay="0"/>
                                           </p:stCondLst>
@@ -17569,7 +17583,7 @@
                                     </p:set>
                                     <p:animEffect transition="in" filter="fade">
                                       <p:cBhvr>
-                                        <p:cTn id="90" dur="500"/>
+                                        <p:cTn id="92" dur="500"/>
                                         <p:tgtEl>
                                           <p:spTgt spid="37"/>
                                         </p:tgtEl>
@@ -17629,6 +17643,8 @@
       <p:bldP spid="35" grpId="0" animBg="1"/>
       <p:bldP spid="36" grpId="0" animBg="1"/>
       <p:bldP spid="37" grpId="0" animBg="1"/>
+      <p:bldP spid="38" grpId="0" animBg="1"/>
+      <p:bldP spid="38" grpId="1" animBg="1"/>
     </p:bldLst>
   </p:timing>
 </p:sld>
@@ -17677,6 +17693,72 @@
     <p:extLst>
       <p:ext uri="{BB962C8B-B14F-4D97-AF65-F5344CB8AC3E}">
         <p14:creationId xmlns:p14="http://schemas.microsoft.com/office/powerpoint/2010/main" val="2151210281"/>
+      </p:ext>
+    </p:extLst>
+  </p:cSld>
+  <p:clrMapOvr>
+    <a:masterClrMapping/>
+  </p:clrMapOvr>
+</p:sld>
+</file>
+
+<file path=ppt/slides/slide8.xml><?xml version="1.0" encoding="utf-8"?>
+<p:sld xmlns:a="http://schemas.openxmlformats.org/drawingml/2006/main" xmlns:r="http://schemas.openxmlformats.org/officeDocument/2006/relationships" xmlns:p="http://schemas.openxmlformats.org/presentationml/2006/main">
+  <p:cSld>
+    <p:spTree>
+      <p:nvGrpSpPr>
+        <p:cNvPr id="1" name=""/>
+        <p:cNvGrpSpPr/>
+        <p:nvPr/>
+      </p:nvGrpSpPr>
+      <p:grpSpPr>
+        <a:xfrm>
+          <a:off x="0" y="0"/>
+          <a:ext cx="0" cy="0"/>
+          <a:chOff x="0" y="0"/>
+          <a:chExt cx="0" cy="0"/>
+        </a:xfrm>
+      </p:grpSpPr>
+      <p:pic>
+        <p:nvPicPr>
+          <p:cNvPr id="5" name="Image 4">
+            <a:extLst>
+              <a:ext uri="{FF2B5EF4-FFF2-40B4-BE49-F238E27FC236}">
+                <a16:creationId xmlns:a16="http://schemas.microsoft.com/office/drawing/2014/main" id="{CFAA66AA-BFA8-414E-AEE1-C43348106C9C}"/>
+              </a:ext>
+            </a:extLst>
+          </p:cNvPr>
+          <p:cNvPicPr>
+            <a:picLocks noChangeAspect="1"/>
+          </p:cNvPicPr>
+          <p:nvPr/>
+        </p:nvPicPr>
+        <p:blipFill>
+          <a:blip r:embed="rId2">
+            <a:extLst>
+              <a:ext uri="{28A0092B-C50C-407E-A947-70E740481C1C}">
+                <a14:useLocalDpi xmlns:a14="http://schemas.microsoft.com/office/drawing/2010/main" val="0"/>
+              </a:ext>
+            </a:extLst>
+          </a:blip>
+          <a:stretch>
+            <a:fillRect/>
+          </a:stretch>
+        </p:blipFill>
+        <p:spPr>
+          <a:xfrm>
+            <a:off x="2260421" y="266840"/>
+            <a:ext cx="7887920" cy="5804175"/>
+          </a:xfrm>
+          <a:prstGeom prst="rect">
+            <a:avLst/>
+          </a:prstGeom>
+        </p:spPr>
+      </p:pic>
+    </p:spTree>
+    <p:extLst>
+      <p:ext uri="{BB962C8B-B14F-4D97-AF65-F5344CB8AC3E}">
+        <p14:creationId xmlns:p14="http://schemas.microsoft.com/office/powerpoint/2010/main" val="1098163538"/>
       </p:ext>
     </p:extLst>
   </p:cSld>
